--- a/assets/AprioriAlgorithm.pptx
+++ b/assets/AprioriAlgorithm.pptx
@@ -6,7 +6,8 @@
   </p:sldMasterIdLst>
   <p:sldIdLst>
     <p:sldId id="256" r:id="rId2"/>
-    <p:sldId id="258" r:id="rId3"/>
+    <p:sldId id="259" r:id="rId3"/>
+    <p:sldId id="258" r:id="rId4"/>
   </p:sldIdLst>
   <p:sldSz cx="12192000" cy="6858000"/>
   <p:notesSz cx="6858000" cy="9144000"/>
@@ -105,13 +106,18 @@
       </a:defRPr>
     </a:lvl9pPr>
   </p:defaultTextStyle>
+  <p:extLst>
+    <p:ext uri="{EFAFB233-063F-42B5-8137-9DF3F51BA10A}">
+      <p15:sldGuideLst xmlns:p15="http://schemas.microsoft.com/office/powerpoint/2012/main"/>
+    </p:ext>
+  </p:extLst>
 </p:presentation>
 </file>
 
 <file path=ppt/revisionInfo.xml><?xml version="1.0" encoding="utf-8"?>
 <p1510:revInfo xmlns:a="http://schemas.openxmlformats.org/drawingml/2006/main" xmlns:r="http://schemas.openxmlformats.org/officeDocument/2006/relationships" xmlns:p1510="http://schemas.microsoft.com/office/powerpoint/2015/10/main">
   <p1510:revLst>
-    <p1510:client id="{7F9EE7F5-222D-45F7-94A4-1EB92E08CFCB}" v="11" dt="2023-03-06T06:39:02.910"/>
+    <p1510:client id="{7F9EE7F5-222D-45F7-94A4-1EB92E08CFCB}" v="15" dt="2023-03-07T07:57:32.817"/>
   </p1510:revLst>
 </p1510:revInfo>
 </file>
@@ -121,12 +127,12 @@
   <pc:docChgLst>
     <pc:chgData name="John Tan Vie Ming" userId="7763ef91-f958-4804-876e-1942f77bfcbd" providerId="ADAL" clId="{7F9EE7F5-222D-45F7-94A4-1EB92E08CFCB}"/>
     <pc:docChg chg="undo custSel addSld delSld modSld">
-      <pc:chgData name="John Tan Vie Ming" userId="7763ef91-f958-4804-876e-1942f77bfcbd" providerId="ADAL" clId="{7F9EE7F5-222D-45F7-94A4-1EB92E08CFCB}" dt="2023-03-06T06:39:13.710" v="420" actId="47"/>
+      <pc:chgData name="John Tan Vie Ming" userId="7763ef91-f958-4804-876e-1942f77bfcbd" providerId="ADAL" clId="{7F9EE7F5-222D-45F7-94A4-1EB92E08CFCB}" dt="2023-03-07T07:58:19.022" v="556" actId="1076"/>
       <pc:docMkLst>
         <pc:docMk/>
       </pc:docMkLst>
-      <pc:sldChg chg="addSp modSp mod">
-        <pc:chgData name="John Tan Vie Ming" userId="7763ef91-f958-4804-876e-1942f77bfcbd" providerId="ADAL" clId="{7F9EE7F5-222D-45F7-94A4-1EB92E08CFCB}" dt="2023-03-06T06:09:55.444" v="404" actId="14100"/>
+      <pc:sldChg chg="addSp delSp modSp mod">
+        <pc:chgData name="John Tan Vie Ming" userId="7763ef91-f958-4804-876e-1942f77bfcbd" providerId="ADAL" clId="{7F9EE7F5-222D-45F7-94A4-1EB92E08CFCB}" dt="2023-03-07T07:57:10.185" v="545" actId="14100"/>
         <pc:sldMkLst>
           <pc:docMk/>
           <pc:sldMk cId="166854593" sldId="256"/>
@@ -163,6 +169,22 @@
             <ac:spMk id="8" creationId="{274255FD-5FC7-077C-87ED-B7972D761EB8}"/>
           </ac:spMkLst>
         </pc:spChg>
+        <pc:picChg chg="add mod">
+          <ac:chgData name="John Tan Vie Ming" userId="7763ef91-f958-4804-876e-1942f77bfcbd" providerId="ADAL" clId="{7F9EE7F5-222D-45F7-94A4-1EB92E08CFCB}" dt="2023-03-07T07:57:10.185" v="545" actId="14100"/>
+          <ac:picMkLst>
+            <pc:docMk/>
+            <pc:sldMk cId="166854593" sldId="256"/>
+            <ac:picMk id="4" creationId="{B294B27C-99F9-E191-4939-294AF2D7C828}"/>
+          </ac:picMkLst>
+        </pc:picChg>
+        <pc:picChg chg="del">
+          <ac:chgData name="John Tan Vie Ming" userId="7763ef91-f958-4804-876e-1942f77bfcbd" providerId="ADAL" clId="{7F9EE7F5-222D-45F7-94A4-1EB92E08CFCB}" dt="2023-03-07T07:56:34.351" v="538" actId="478"/>
+          <ac:picMkLst>
+            <pc:docMk/>
+            <pc:sldMk cId="166854593" sldId="256"/>
+            <ac:picMk id="5" creationId="{18FE5695-63FB-6558-D759-69CCEF014134}"/>
+          </ac:picMkLst>
+        </pc:picChg>
       </pc:sldChg>
       <pc:sldChg chg="delSp add del setBg delDesignElem">
         <pc:chgData name="John Tan Vie Ming" userId="7763ef91-f958-4804-876e-1942f77bfcbd" providerId="ADAL" clId="{7F9EE7F5-222D-45F7-94A4-1EB92E08CFCB}" dt="2023-03-06T05:44:59.937" v="19" actId="47"/>
@@ -196,7 +218,7 @@
         </pc:spChg>
       </pc:sldChg>
       <pc:sldChg chg="addSp delSp modSp mod">
-        <pc:chgData name="John Tan Vie Ming" userId="7763ef91-f958-4804-876e-1942f77bfcbd" providerId="ADAL" clId="{7F9EE7F5-222D-45F7-94A4-1EB92E08CFCB}" dt="2023-03-06T06:10:45.940" v="409" actId="14100"/>
+        <pc:chgData name="John Tan Vie Ming" userId="7763ef91-f958-4804-876e-1942f77bfcbd" providerId="ADAL" clId="{7F9EE7F5-222D-45F7-94A4-1EB92E08CFCB}" dt="2023-03-07T07:58:19.022" v="556" actId="1076"/>
         <pc:sldMkLst>
           <pc:docMk/>
           <pc:sldMk cId="2936585924" sldId="258"/>
@@ -218,7 +240,7 @@
           </ac:spMkLst>
         </pc:spChg>
         <pc:spChg chg="add mod">
-          <ac:chgData name="John Tan Vie Ming" userId="7763ef91-f958-4804-876e-1942f77bfcbd" providerId="ADAL" clId="{7F9EE7F5-222D-45F7-94A4-1EB92E08CFCB}" dt="2023-03-06T06:08:38.728" v="396" actId="1076"/>
+          <ac:chgData name="John Tan Vie Ming" userId="7763ef91-f958-4804-876e-1942f77bfcbd" providerId="ADAL" clId="{7F9EE7F5-222D-45F7-94A4-1EB92E08CFCB}" dt="2023-03-07T07:58:19.022" v="556" actId="1076"/>
           <ac:spMkLst>
             <pc:docMk/>
             <pc:sldMk cId="2936585924" sldId="258"/>
@@ -233,6 +255,14 @@
             <ac:spMk id="11" creationId="{DB63F2F8-F562-62D7-6309-43F947D4C6CC}"/>
           </ac:spMkLst>
         </pc:spChg>
+        <pc:picChg chg="add mod">
+          <ac:chgData name="John Tan Vie Ming" userId="7763ef91-f958-4804-876e-1942f77bfcbd" providerId="ADAL" clId="{7F9EE7F5-222D-45F7-94A4-1EB92E08CFCB}" dt="2023-03-07T07:58:15.388" v="555" actId="1076"/>
+          <ac:picMkLst>
+            <pc:docMk/>
+            <pc:sldMk cId="2936585924" sldId="258"/>
+            <ac:picMk id="4" creationId="{A753633C-9DB8-F092-CE9C-A14D92FCF327}"/>
+          </ac:picMkLst>
+        </pc:picChg>
         <pc:picChg chg="del">
           <ac:chgData name="John Tan Vie Ming" userId="7763ef91-f958-4804-876e-1942f77bfcbd" providerId="ADAL" clId="{7F9EE7F5-222D-45F7-94A4-1EB92E08CFCB}" dt="2023-03-06T05:49:02.138" v="156" actId="478"/>
           <ac:picMkLst>
@@ -249,12 +279,43 @@
             <ac:picMk id="6" creationId="{0569E444-4DFD-E2DB-25CB-92B1A60AC516}"/>
           </ac:picMkLst>
         </pc:picChg>
-        <pc:picChg chg="add mod">
-          <ac:chgData name="John Tan Vie Ming" userId="7763ef91-f958-4804-876e-1942f77bfcbd" providerId="ADAL" clId="{7F9EE7F5-222D-45F7-94A4-1EB92E08CFCB}" dt="2023-03-06T06:02:38.948" v="227" actId="14100"/>
+        <pc:picChg chg="add del mod">
+          <ac:chgData name="John Tan Vie Ming" userId="7763ef91-f958-4804-876e-1942f77bfcbd" providerId="ADAL" clId="{7F9EE7F5-222D-45F7-94A4-1EB92E08CFCB}" dt="2023-03-07T07:57:21.714" v="546" actId="478"/>
           <ac:picMkLst>
             <pc:docMk/>
             <pc:sldMk cId="2936585924" sldId="258"/>
             <ac:picMk id="8" creationId="{AAF04346-3E11-BF7A-CDA6-7949DAF9F726}"/>
+          </ac:picMkLst>
+        </pc:picChg>
+      </pc:sldChg>
+      <pc:sldChg chg="addSp delSp modSp mod">
+        <pc:chgData name="John Tan Vie Ming" userId="7763ef91-f958-4804-876e-1942f77bfcbd" providerId="ADAL" clId="{7F9EE7F5-222D-45F7-94A4-1EB92E08CFCB}" dt="2023-03-07T07:54:35.151" v="537" actId="20577"/>
+        <pc:sldMkLst>
+          <pc:docMk/>
+          <pc:sldMk cId="383437976" sldId="259"/>
+        </pc:sldMkLst>
+        <pc:spChg chg="mod">
+          <ac:chgData name="John Tan Vie Ming" userId="7763ef91-f958-4804-876e-1942f77bfcbd" providerId="ADAL" clId="{7F9EE7F5-222D-45F7-94A4-1EB92E08CFCB}" dt="2023-03-07T07:54:35.151" v="537" actId="20577"/>
+          <ac:spMkLst>
+            <pc:docMk/>
+            <pc:sldMk cId="383437976" sldId="259"/>
+            <ac:spMk id="3" creationId="{2601521F-F4FA-AC76-EE83-2136A8AB1DE8}"/>
+          </ac:spMkLst>
+        </pc:spChg>
+        <pc:picChg chg="add mod">
+          <ac:chgData name="John Tan Vie Ming" userId="7763ef91-f958-4804-876e-1942f77bfcbd" providerId="ADAL" clId="{7F9EE7F5-222D-45F7-94A4-1EB92E08CFCB}" dt="2023-03-07T07:52:35.733" v="428" actId="14100"/>
+          <ac:picMkLst>
+            <pc:docMk/>
+            <pc:sldMk cId="383437976" sldId="259"/>
+            <ac:picMk id="4" creationId="{D07F684F-8BFD-33E0-F6BF-7998457DEF9B}"/>
+          </ac:picMkLst>
+        </pc:picChg>
+        <pc:picChg chg="del">
+          <ac:chgData name="John Tan Vie Ming" userId="7763ef91-f958-4804-876e-1942f77bfcbd" providerId="ADAL" clId="{7F9EE7F5-222D-45F7-94A4-1EB92E08CFCB}" dt="2023-03-07T07:51:59.730" v="421" actId="478"/>
+          <ac:picMkLst>
+            <pc:docMk/>
+            <pc:sldMk cId="383437976" sldId="259"/>
+            <ac:picMk id="5" creationId="{18FE5695-63FB-6558-D759-69CCEF014134}"/>
           </ac:picMkLst>
         </pc:picChg>
       </pc:sldChg>
@@ -513,7 +574,7 @@
           <a:p>
             <a:fld id="{CF57286B-DFE0-49AD-8054-3864D961A891}" type="datetimeFigureOut">
               <a:rPr lang="en-SG" smtClean="0"/>
-              <a:t>6/3/2023</a:t>
+              <a:t>7/3/2023</a:t>
             </a:fld>
             <a:endParaRPr lang="en-SG"/>
           </a:p>
@@ -713,7 +774,7 @@
           <a:p>
             <a:fld id="{CF57286B-DFE0-49AD-8054-3864D961A891}" type="datetimeFigureOut">
               <a:rPr lang="en-SG" smtClean="0"/>
-              <a:t>6/3/2023</a:t>
+              <a:t>7/3/2023</a:t>
             </a:fld>
             <a:endParaRPr lang="en-SG"/>
           </a:p>
@@ -923,7 +984,7 @@
           <a:p>
             <a:fld id="{CF57286B-DFE0-49AD-8054-3864D961A891}" type="datetimeFigureOut">
               <a:rPr lang="en-SG" smtClean="0"/>
-              <a:t>6/3/2023</a:t>
+              <a:t>7/3/2023</a:t>
             </a:fld>
             <a:endParaRPr lang="en-SG"/>
           </a:p>
@@ -1123,7 +1184,7 @@
           <a:p>
             <a:fld id="{CF57286B-DFE0-49AD-8054-3864D961A891}" type="datetimeFigureOut">
               <a:rPr lang="en-SG" smtClean="0"/>
-              <a:t>6/3/2023</a:t>
+              <a:t>7/3/2023</a:t>
             </a:fld>
             <a:endParaRPr lang="en-SG"/>
           </a:p>
@@ -1399,7 +1460,7 @@
           <a:p>
             <a:fld id="{CF57286B-DFE0-49AD-8054-3864D961A891}" type="datetimeFigureOut">
               <a:rPr lang="en-SG" smtClean="0"/>
-              <a:t>6/3/2023</a:t>
+              <a:t>7/3/2023</a:t>
             </a:fld>
             <a:endParaRPr lang="en-SG"/>
           </a:p>
@@ -1667,7 +1728,7 @@
           <a:p>
             <a:fld id="{CF57286B-DFE0-49AD-8054-3864D961A891}" type="datetimeFigureOut">
               <a:rPr lang="en-SG" smtClean="0"/>
-              <a:t>6/3/2023</a:t>
+              <a:t>7/3/2023</a:t>
             </a:fld>
             <a:endParaRPr lang="en-SG"/>
           </a:p>
@@ -2082,7 +2143,7 @@
           <a:p>
             <a:fld id="{CF57286B-DFE0-49AD-8054-3864D961A891}" type="datetimeFigureOut">
               <a:rPr lang="en-SG" smtClean="0"/>
-              <a:t>6/3/2023</a:t>
+              <a:t>7/3/2023</a:t>
             </a:fld>
             <a:endParaRPr lang="en-SG"/>
           </a:p>
@@ -2224,7 +2285,7 @@
           <a:p>
             <a:fld id="{CF57286B-DFE0-49AD-8054-3864D961A891}" type="datetimeFigureOut">
               <a:rPr lang="en-SG" smtClean="0"/>
-              <a:t>6/3/2023</a:t>
+              <a:t>7/3/2023</a:t>
             </a:fld>
             <a:endParaRPr lang="en-SG"/>
           </a:p>
@@ -2337,7 +2398,7 @@
           <a:p>
             <a:fld id="{CF57286B-DFE0-49AD-8054-3864D961A891}" type="datetimeFigureOut">
               <a:rPr lang="en-SG" smtClean="0"/>
-              <a:t>6/3/2023</a:t>
+              <a:t>7/3/2023</a:t>
             </a:fld>
             <a:endParaRPr lang="en-SG"/>
           </a:p>
@@ -2650,7 +2711,7 @@
           <a:p>
             <a:fld id="{CF57286B-DFE0-49AD-8054-3864D961A891}" type="datetimeFigureOut">
               <a:rPr lang="en-SG" smtClean="0"/>
-              <a:t>6/3/2023</a:t>
+              <a:t>7/3/2023</a:t>
             </a:fld>
             <a:endParaRPr lang="en-SG"/>
           </a:p>
@@ -2939,7 +3000,7 @@
           <a:p>
             <a:fld id="{CF57286B-DFE0-49AD-8054-3864D961A891}" type="datetimeFigureOut">
               <a:rPr lang="en-SG" smtClean="0"/>
-              <a:t>6/3/2023</a:t>
+              <a:t>7/3/2023</a:t>
             </a:fld>
             <a:endParaRPr lang="en-SG"/>
           </a:p>
@@ -3182,7 +3243,7 @@
           <a:p>
             <a:fld id="{CF57286B-DFE0-49AD-8054-3864D961A891}" type="datetimeFigureOut">
               <a:rPr lang="en-SG" smtClean="0"/>
-              <a:t>6/3/2023</a:t>
+              <a:t>7/3/2023</a:t>
             </a:fld>
             <a:endParaRPr lang="en-SG"/>
           </a:p>
@@ -3667,36 +3728,6 @@
           </a:p>
         </p:txBody>
       </p:sp>
-      <p:pic>
-        <p:nvPicPr>
-          <p:cNvPr id="5" name="Picture 4">
-            <a:extLst>
-              <a:ext uri="{FF2B5EF4-FFF2-40B4-BE49-F238E27FC236}">
-                <a16:creationId xmlns:a16="http://schemas.microsoft.com/office/drawing/2014/main" id="{18FE5695-63FB-6558-D759-69CCEF014134}"/>
-              </a:ext>
-            </a:extLst>
-          </p:cNvPr>
-          <p:cNvPicPr>
-            <a:picLocks noChangeAspect="1"/>
-          </p:cNvPicPr>
-          <p:nvPr/>
-        </p:nvPicPr>
-        <p:blipFill>
-          <a:blip r:embed="rId2"/>
-          <a:stretch>
-            <a:fillRect/>
-          </a:stretch>
-        </p:blipFill>
-        <p:spPr>
-          <a:xfrm>
-            <a:off x="1166192" y="997211"/>
-            <a:ext cx="9846366" cy="1538279"/>
-          </a:xfrm>
-          <a:prstGeom prst="rect">
-            <a:avLst/>
-          </a:prstGeom>
-        </p:spPr>
-      </p:pic>
       <p:sp>
         <p:nvSpPr>
           <p:cNvPr id="12" name="Right Triangle 11">
@@ -4098,6 +4129,36 @@
           </a:p>
         </p:txBody>
       </p:sp>
+      <p:pic>
+        <p:nvPicPr>
+          <p:cNvPr id="4" name="Picture 3">
+            <a:extLst>
+              <a:ext uri="{FF2B5EF4-FFF2-40B4-BE49-F238E27FC236}">
+                <a16:creationId xmlns:a16="http://schemas.microsoft.com/office/drawing/2014/main" id="{B294B27C-99F9-E191-4939-294AF2D7C828}"/>
+              </a:ext>
+            </a:extLst>
+          </p:cNvPr>
+          <p:cNvPicPr>
+            <a:picLocks noChangeAspect="1"/>
+          </p:cNvPicPr>
+          <p:nvPr/>
+        </p:nvPicPr>
+        <p:blipFill>
+          <a:blip r:embed="rId2"/>
+          <a:stretch>
+            <a:fillRect/>
+          </a:stretch>
+        </p:blipFill>
+        <p:spPr>
+          <a:xfrm>
+            <a:off x="1166191" y="1002006"/>
+            <a:ext cx="9932101" cy="1460615"/>
+          </a:xfrm>
+          <a:prstGeom prst="rect">
+            <a:avLst/>
+          </a:prstGeom>
+        </p:spPr>
+      </p:pic>
     </p:spTree>
     <p:extLst>
       <p:ext uri="{BB962C8B-B14F-4D97-AF65-F5344CB8AC3E}">
@@ -4430,7 +4491,7 @@
         </p:nvSpPr>
         <p:spPr>
           <a:xfrm>
-            <a:off x="1101007" y="3147556"/>
+            <a:off x="1166192" y="3014134"/>
             <a:ext cx="8921672" cy="1171274"/>
           </a:xfrm>
         </p:spPr>
@@ -4442,26 +4503,23 @@
           <a:p>
             <a:pPr algn="l"/>
             <a:r>
-              <a:rPr lang="en-SG" sz="6600" dirty="0">
+              <a:rPr lang="en-SG" sz="6800">
                 <a:latin typeface="Times New Roman" panose="02020603050405020304" pitchFamily="18" charset="0"/>
                 <a:cs typeface="Times New Roman" panose="02020603050405020304" pitchFamily="18" charset="0"/>
               </a:rPr>
-              <a:t>Cross</a:t>
-            </a:r>
-            <a:r>
-              <a:rPr lang="en-SG" sz="6800" dirty="0">
+              <a:t>Cross selling </a:t>
+            </a:r>
+            <a:r>
+              <a:rPr lang="en-SG" sz="4200">
                 <a:latin typeface="Times New Roman" panose="02020603050405020304" pitchFamily="18" charset="0"/>
                 <a:cs typeface="Times New Roman" panose="02020603050405020304" pitchFamily="18" charset="0"/>
               </a:rPr>
-              <a:t> selling </a:t>
-            </a:r>
-            <a:r>
-              <a:rPr lang="en-SG" sz="3700" dirty="0">
-                <a:latin typeface="Times New Roman" panose="02020603050405020304" pitchFamily="18" charset="0"/>
-                <a:cs typeface="Times New Roman" panose="02020603050405020304" pitchFamily="18" charset="0"/>
-              </a:rPr>
-              <a:t>medium value customers</a:t>
-            </a:r>
+              <a:t>high value customers</a:t>
+            </a:r>
+            <a:endParaRPr lang="en-SG" sz="4200" dirty="0">
+              <a:latin typeface="Times New Roman" panose="02020603050405020304" pitchFamily="18" charset="0"/>
+              <a:cs typeface="Times New Roman" panose="02020603050405020304" pitchFamily="18" charset="0"/>
+            </a:endParaRPr>
           </a:p>
         </p:txBody>
       </p:sp>
@@ -4483,8 +4541,8 @@
         </p:nvSpPr>
         <p:spPr>
           <a:xfrm>
-            <a:off x="1166191" y="4440767"/>
-            <a:ext cx="8856487" cy="1912327"/>
+            <a:off x="1166192" y="4318829"/>
+            <a:ext cx="8163338" cy="1912327"/>
           </a:xfrm>
         </p:spPr>
         <p:txBody>
@@ -4499,7 +4557,7 @@
             </a:pPr>
             <a:r>
               <a:rPr lang="en-SG" sz="1800" dirty="0"/>
-              <a:t>Ceremonial Uji Matcha Powder &amp; Barista Uji Matcha Powder frequently bought together </a:t>
+              <a:t>Awakening Matcha Whisk Set &amp; Ceremonial Uji Matcha Powder frequently bought together </a:t>
             </a:r>
             <a:r>
               <a:rPr lang="en-SG" sz="1300" dirty="0"/>
@@ -4521,7 +4579,7 @@
             </a:pPr>
             <a:r>
               <a:rPr lang="en-SG" sz="1800" dirty="0"/>
-              <a:t>Bought most number of times by medium value customers segment </a:t>
+              <a:t>Bought most number of times by top customers segment </a:t>
             </a:r>
             <a:r>
               <a:rPr lang="en-SG" sz="1200" dirty="0"/>
@@ -4545,18 +4603,18 @@
                   </a:schemeClr>
                 </a:solidFill>
               </a:rPr>
-              <a:t>18%</a:t>
+              <a:t>52%</a:t>
             </a:r>
             <a:r>
               <a:rPr lang="en-SG" sz="1800" dirty="0"/>
-              <a:t> of gross sales of Barista Uji Matcha Powder</a:t>
+              <a:t> of gross sales of Ceremonial Uji Matcha Powder</a:t>
             </a:r>
           </a:p>
           <a:p>
             <a:pPr algn="l"/>
             <a:r>
               <a:rPr lang="en-SG" sz="1300" dirty="0"/>
-              <a:t>*(Support &gt; 5%, Lift &gt; 2). Association Rules &amp; Frequent </a:t>
+              <a:t>*(Support &gt; 10%, Lift =1). Association Rules &amp; Frequent </a:t>
             </a:r>
             <a:r>
               <a:rPr lang="en-SG" sz="1300" dirty="0" err="1"/>
@@ -4570,51 +4628,21 @@
           </a:p>
         </p:txBody>
       </p:sp>
-      <p:pic>
-        <p:nvPicPr>
-          <p:cNvPr id="8" name="Picture 7">
-            <a:extLst>
-              <a:ext uri="{FF2B5EF4-FFF2-40B4-BE49-F238E27FC236}">
-                <a16:creationId xmlns:a16="http://schemas.microsoft.com/office/drawing/2014/main" id="{AAF04346-3E11-BF7A-CDA6-7949DAF9F726}"/>
-              </a:ext>
-            </a:extLst>
-          </p:cNvPr>
-          <p:cNvPicPr>
-            <a:picLocks noChangeAspect="1"/>
-          </p:cNvPicPr>
+      <p:sp>
+        <p:nvSpPr>
+          <p:cNvPr id="6" name="Rectangle: Rounded Corners 5">
+            <a:extLst>
+              <a:ext uri="{FF2B5EF4-FFF2-40B4-BE49-F238E27FC236}">
+                <a16:creationId xmlns:a16="http://schemas.microsoft.com/office/drawing/2014/main" id="{C0F7D220-85C4-2DC7-4886-2D6CA111ADE3}"/>
+              </a:ext>
+            </a:extLst>
+          </p:cNvPr>
+          <p:cNvSpPr/>
           <p:nvPr/>
-        </p:nvPicPr>
-        <p:blipFill>
-          <a:blip r:embed="rId2"/>
-          <a:stretch>
-            <a:fillRect/>
-          </a:stretch>
-        </p:blipFill>
+        </p:nvSpPr>
         <p:spPr>
           <a:xfrm>
-            <a:off x="1166192" y="1110952"/>
-            <a:ext cx="9183756" cy="1548927"/>
-          </a:xfrm>
-          <a:prstGeom prst="rect">
-            <a:avLst/>
-          </a:prstGeom>
-        </p:spPr>
-      </p:pic>
-      <p:sp>
-        <p:nvSpPr>
-          <p:cNvPr id="9" name="Rectangle: Rounded Corners 8">
-            <a:extLst>
-              <a:ext uri="{FF2B5EF4-FFF2-40B4-BE49-F238E27FC236}">
-                <a16:creationId xmlns:a16="http://schemas.microsoft.com/office/drawing/2014/main" id="{00ADF711-93A2-1535-D35C-A89CF3C68179}"/>
-              </a:ext>
-            </a:extLst>
-          </p:cNvPr>
-          <p:cNvSpPr/>
-          <p:nvPr/>
-        </p:nvSpPr>
-        <p:spPr>
-          <a:xfrm>
-            <a:off x="9344623" y="2055906"/>
+            <a:off x="9932102" y="1889941"/>
             <a:ext cx="1166191" cy="645549"/>
           </a:xfrm>
           <a:prstGeom prst="roundRect">
@@ -4647,6 +4675,654 @@
           <a:bodyPr rtlCol="0" anchor="ctr"/>
           <a:lstStyle/>
           <a:p>
+            <a:pPr marL="0" marR="0" lvl="0" indent="0" algn="ctr" defTabSz="914400" rtl="0" eaLnBrk="1" fontAlgn="auto" latinLnBrk="0" hangingPunct="1">
+              <a:lnSpc>
+                <a:spcPct val="100000"/>
+              </a:lnSpc>
+              <a:spcBef>
+                <a:spcPts val="0"/>
+              </a:spcBef>
+              <a:spcAft>
+                <a:spcPts val="0"/>
+              </a:spcAft>
+              <a:buClrTx/>
+              <a:buSzTx/>
+              <a:buFontTx/>
+              <a:buNone/>
+              <a:tabLst/>
+              <a:defRPr/>
+            </a:pPr>
+            <a:endParaRPr kumimoji="0" lang="en-SG" sz="1800" b="0" i="0" u="none" strike="noStrike" kern="1200" cap="none" spc="0" normalizeH="0" baseline="0" noProof="0">
+              <a:ln>
+                <a:noFill/>
+              </a:ln>
+              <a:solidFill>
+                <a:prstClr val="white"/>
+              </a:solidFill>
+              <a:effectLst/>
+              <a:uLnTx/>
+              <a:uFillTx/>
+              <a:latin typeface="Calibri" panose="020F0502020204030204"/>
+              <a:ea typeface="+mn-ea"/>
+              <a:cs typeface="+mn-cs"/>
+            </a:endParaRPr>
+          </a:p>
+        </p:txBody>
+      </p:sp>
+      <p:sp>
+        <p:nvSpPr>
+          <p:cNvPr id="8" name="TextBox 7">
+            <a:extLst>
+              <a:ext uri="{FF2B5EF4-FFF2-40B4-BE49-F238E27FC236}">
+                <a16:creationId xmlns:a16="http://schemas.microsoft.com/office/drawing/2014/main" id="{274255FD-5FC7-077C-87ED-B7972D761EB8}"/>
+              </a:ext>
+            </a:extLst>
+          </p:cNvPr>
+          <p:cNvSpPr txBox="1"/>
+          <p:nvPr/>
+        </p:nvSpPr>
+        <p:spPr>
+          <a:xfrm>
+            <a:off x="9828020" y="2711436"/>
+            <a:ext cx="1978652" cy="338554"/>
+          </a:xfrm>
+          <a:prstGeom prst="rect">
+            <a:avLst/>
+          </a:prstGeom>
+          <a:noFill/>
+        </p:spPr>
+        <p:txBody>
+          <a:bodyPr wrap="square">
+            <a:spAutoFit/>
+          </a:bodyPr>
+          <a:lstStyle/>
+          <a:p>
+            <a:pPr marL="0" marR="0" lvl="0" indent="0" algn="l" defTabSz="914400" rtl="0" eaLnBrk="1" fontAlgn="auto" latinLnBrk="0" hangingPunct="1">
+              <a:lnSpc>
+                <a:spcPct val="100000"/>
+              </a:lnSpc>
+              <a:spcBef>
+                <a:spcPts val="0"/>
+              </a:spcBef>
+              <a:spcAft>
+                <a:spcPts val="0"/>
+              </a:spcAft>
+              <a:buClrTx/>
+              <a:buSzTx/>
+              <a:buFontTx/>
+              <a:buNone/>
+              <a:tabLst/>
+              <a:defRPr/>
+            </a:pPr>
+            <a:r>
+              <a:rPr kumimoji="0" lang="en-SG" sz="1600" b="1" i="0" u="none" strike="noStrike" kern="1200" cap="none" spc="0" normalizeH="0" baseline="0" noProof="0" dirty="0">
+                <a:ln>
+                  <a:noFill/>
+                </a:ln>
+                <a:solidFill>
+                  <a:prstClr val="black"/>
+                </a:solidFill>
+                <a:effectLst/>
+                <a:uLnTx/>
+                <a:uFillTx/>
+                <a:latin typeface="Calibri" panose="020F0502020204030204"/>
+                <a:ea typeface="+mn-ea"/>
+                <a:cs typeface="+mn-cs"/>
+              </a:rPr>
+              <a:t>Additional revenue</a:t>
+            </a:r>
+          </a:p>
+        </p:txBody>
+      </p:sp>
+      <p:pic>
+        <p:nvPicPr>
+          <p:cNvPr id="4" name="Picture 3">
+            <a:extLst>
+              <a:ext uri="{FF2B5EF4-FFF2-40B4-BE49-F238E27FC236}">
+                <a16:creationId xmlns:a16="http://schemas.microsoft.com/office/drawing/2014/main" id="{D07F684F-8BFD-33E0-F6BF-7998457DEF9B}"/>
+              </a:ext>
+            </a:extLst>
+          </p:cNvPr>
+          <p:cNvPicPr>
+            <a:picLocks noChangeAspect="1"/>
+          </p:cNvPicPr>
+          <p:nvPr/>
+        </p:nvPicPr>
+        <p:blipFill>
+          <a:blip r:embed="rId2"/>
+          <a:stretch>
+            <a:fillRect/>
+          </a:stretch>
+        </p:blipFill>
+        <p:spPr>
+          <a:xfrm>
+            <a:off x="1225193" y="968385"/>
+            <a:ext cx="9747607" cy="1418906"/>
+          </a:xfrm>
+          <a:prstGeom prst="rect">
+            <a:avLst/>
+          </a:prstGeom>
+        </p:spPr>
+      </p:pic>
+    </p:spTree>
+    <p:extLst>
+      <p:ext uri="{BB962C8B-B14F-4D97-AF65-F5344CB8AC3E}">
+        <p14:creationId xmlns:p14="http://schemas.microsoft.com/office/powerpoint/2010/main" val="383437976"/>
+      </p:ext>
+    </p:extLst>
+  </p:cSld>
+  <p:clrMapOvr>
+    <a:masterClrMapping/>
+  </p:clrMapOvr>
+</p:sld>
+</file>
+
+<file path=ppt/slides/slide3.xml><?xml version="1.0" encoding="utf-8"?>
+<p:sld xmlns:a="http://schemas.openxmlformats.org/drawingml/2006/main" xmlns:r="http://schemas.openxmlformats.org/officeDocument/2006/relationships" xmlns:p="http://schemas.openxmlformats.org/presentationml/2006/main">
+  <p:cSld>
+    <p:bg>
+      <p:bgPr>
+        <a:solidFill>
+          <a:schemeClr val="bg1"/>
+        </a:solidFill>
+        <a:effectLst/>
+      </p:bgPr>
+    </p:bg>
+    <p:spTree>
+      <p:nvGrpSpPr>
+        <p:cNvPr id="1" name=""/>
+        <p:cNvGrpSpPr/>
+        <p:nvPr/>
+      </p:nvGrpSpPr>
+      <p:grpSpPr>
+        <a:xfrm>
+          <a:off x="0" y="0"/>
+          <a:ext cx="0" cy="0"/>
+          <a:chOff x="0" y="0"/>
+          <a:chExt cx="0" cy="0"/>
+        </a:xfrm>
+      </p:grpSpPr>
+      <p:sp useBgFill="1">
+        <p:nvSpPr>
+          <p:cNvPr id="10" name="Rectangle 9">
+            <a:extLst>
+              <a:ext uri="{FF2B5EF4-FFF2-40B4-BE49-F238E27FC236}">
+                <a16:creationId xmlns:a16="http://schemas.microsoft.com/office/drawing/2014/main" id="{19D32F93-50AC-4C46-A5DB-291C60DDB7BD}"/>
+              </a:ext>
+              <a:ext uri="{C183D7F6-B498-43B3-948B-1728B52AA6E4}">
+                <adec:decorative xmlns:adec="http://schemas.microsoft.com/office/drawing/2017/decorative" val="1"/>
+              </a:ext>
+            </a:extLst>
+          </p:cNvPr>
+          <p:cNvSpPr>
+            <a:spLocks noGrp="1" noRot="1" noChangeAspect="1" noMove="1" noResize="1" noEditPoints="1" noAdjustHandles="1" noChangeArrowheads="1" noChangeShapeType="1" noTextEdit="1"/>
+          </p:cNvSpPr>
+          <p:nvPr>
+            <p:extLst>
+              <p:ext uri="{386F3935-93C4-4BCD-93E2-E3B085C9AB24}">
+                <p16:designElem xmlns:p16="http://schemas.microsoft.com/office/powerpoint/2015/main" val="1"/>
+              </p:ext>
+            </p:extLst>
+          </p:nvPr>
+        </p:nvSpPr>
+        <p:spPr>
+          <a:xfrm>
+            <a:off x="0" y="0"/>
+            <a:ext cx="12192000" cy="6858000"/>
+          </a:xfrm>
+          <a:prstGeom prst="rect">
+            <a:avLst/>
+          </a:prstGeom>
+          <a:ln>
+            <a:noFill/>
+          </a:ln>
+        </p:spPr>
+        <p:style>
+          <a:lnRef idx="2">
+            <a:schemeClr val="accent1">
+              <a:shade val="50000"/>
+            </a:schemeClr>
+          </a:lnRef>
+          <a:fillRef idx="1">
+            <a:schemeClr val="accent1"/>
+          </a:fillRef>
+          <a:effectRef idx="0">
+            <a:schemeClr val="accent1"/>
+          </a:effectRef>
+          <a:fontRef idx="minor">
+            <a:schemeClr val="lt1"/>
+          </a:fontRef>
+        </p:style>
+        <p:txBody>
+          <a:bodyPr rtlCol="0" anchor="ctr"/>
+          <a:lstStyle/>
+          <a:p>
+            <a:pPr marL="0" marR="0" lvl="0" indent="0" algn="ctr" defTabSz="914400" rtl="0" eaLnBrk="1" fontAlgn="auto" latinLnBrk="0" hangingPunct="1">
+              <a:lnSpc>
+                <a:spcPct val="100000"/>
+              </a:lnSpc>
+              <a:spcBef>
+                <a:spcPts val="0"/>
+              </a:spcBef>
+              <a:spcAft>
+                <a:spcPts val="0"/>
+              </a:spcAft>
+              <a:buClrTx/>
+              <a:buSzTx/>
+              <a:buFontTx/>
+              <a:buNone/>
+              <a:tabLst/>
+              <a:defRPr/>
+            </a:pPr>
+            <a:endParaRPr kumimoji="0" lang="en-US" sz="1800" b="0" i="0" u="none" strike="noStrike" kern="1200" cap="none" spc="0" normalizeH="0" baseline="0" noProof="0">
+              <a:ln>
+                <a:noFill/>
+              </a:ln>
+              <a:solidFill>
+                <a:prstClr val="white"/>
+              </a:solidFill>
+              <a:effectLst/>
+              <a:uLnTx/>
+              <a:uFillTx/>
+              <a:latin typeface="Calibri" panose="020F0502020204030204"/>
+              <a:ea typeface="+mn-ea"/>
+              <a:cs typeface="+mn-cs"/>
+            </a:endParaRPr>
+          </a:p>
+        </p:txBody>
+      </p:sp>
+      <p:sp>
+        <p:nvSpPr>
+          <p:cNvPr id="12" name="Right Triangle 11">
+            <a:extLst>
+              <a:ext uri="{FF2B5EF4-FFF2-40B4-BE49-F238E27FC236}">
+                <a16:creationId xmlns:a16="http://schemas.microsoft.com/office/drawing/2014/main" id="{827DC2C4-B485-428A-BF4A-472D2967F47F}"/>
+              </a:ext>
+              <a:ext uri="{C183D7F6-B498-43B3-948B-1728B52AA6E4}">
+                <adec:decorative xmlns:adec="http://schemas.microsoft.com/office/drawing/2017/decorative" val="1"/>
+              </a:ext>
+            </a:extLst>
+          </p:cNvPr>
+          <p:cNvSpPr>
+            <a:spLocks noGrp="1" noRot="1" noChangeAspect="1" noMove="1" noResize="1" noEditPoints="1" noAdjustHandles="1" noChangeArrowheads="1" noChangeShapeType="1" noTextEdit="1"/>
+          </p:cNvSpPr>
+          <p:nvPr>
+            <p:extLst>
+              <p:ext uri="{386F3935-93C4-4BCD-93E2-E3B085C9AB24}">
+                <p16:designElem xmlns:p16="http://schemas.microsoft.com/office/powerpoint/2015/main" val="1"/>
+              </p:ext>
+            </p:extLst>
+          </p:nvPr>
+        </p:nvSpPr>
+        <p:spPr>
+          <a:xfrm flipH="1">
+            <a:off x="8576720" y="3335867"/>
+            <a:ext cx="3291840" cy="3200400"/>
+          </a:xfrm>
+          <a:prstGeom prst="rtTriangle">
+            <a:avLst/>
+          </a:prstGeom>
+          <a:solidFill>
+            <a:schemeClr val="accent4"/>
+          </a:solidFill>
+          <a:ln>
+            <a:noFill/>
+          </a:ln>
+        </p:spPr>
+        <p:style>
+          <a:lnRef idx="2">
+            <a:schemeClr val="accent1">
+              <a:shade val="50000"/>
+            </a:schemeClr>
+          </a:lnRef>
+          <a:fillRef idx="1">
+            <a:schemeClr val="accent1"/>
+          </a:fillRef>
+          <a:effectRef idx="0">
+            <a:schemeClr val="accent1"/>
+          </a:effectRef>
+          <a:fontRef idx="minor">
+            <a:schemeClr val="lt1"/>
+          </a:fontRef>
+        </p:style>
+        <p:txBody>
+          <a:bodyPr rtlCol="0" anchor="ctr"/>
+          <a:lstStyle/>
+          <a:p>
+            <a:pPr marL="0" marR="0" lvl="0" indent="0" algn="ctr" defTabSz="914400" rtl="0" eaLnBrk="1" fontAlgn="auto" latinLnBrk="0" hangingPunct="1">
+              <a:lnSpc>
+                <a:spcPct val="100000"/>
+              </a:lnSpc>
+              <a:spcBef>
+                <a:spcPts val="0"/>
+              </a:spcBef>
+              <a:spcAft>
+                <a:spcPts val="0"/>
+              </a:spcAft>
+              <a:buClrTx/>
+              <a:buSzTx/>
+              <a:buFontTx/>
+              <a:buNone/>
+              <a:tabLst/>
+              <a:defRPr/>
+            </a:pPr>
+            <a:endParaRPr kumimoji="0" lang="en-US" sz="1800" b="0" i="0" u="none" strike="noStrike" kern="1200" cap="none" spc="0" normalizeH="0" baseline="0" noProof="0" dirty="0">
+              <a:ln>
+                <a:noFill/>
+              </a:ln>
+              <a:solidFill>
+                <a:prstClr val="white"/>
+              </a:solidFill>
+              <a:effectLst/>
+              <a:uLnTx/>
+              <a:uFillTx/>
+              <a:latin typeface="Calibri" panose="020F0502020204030204"/>
+              <a:ea typeface="+mn-ea"/>
+              <a:cs typeface="+mn-cs"/>
+            </a:endParaRPr>
+          </a:p>
+        </p:txBody>
+      </p:sp>
+      <p:sp>
+        <p:nvSpPr>
+          <p:cNvPr id="14" name="Rectangle 13">
+            <a:extLst>
+              <a:ext uri="{FF2B5EF4-FFF2-40B4-BE49-F238E27FC236}">
+                <a16:creationId xmlns:a16="http://schemas.microsoft.com/office/drawing/2014/main" id="{EE04B5EB-F158-4507-90DD-BD23620C7CC9}"/>
+              </a:ext>
+              <a:ext uri="{C183D7F6-B498-43B3-948B-1728B52AA6E4}">
+                <adec:decorative xmlns:adec="http://schemas.microsoft.com/office/drawing/2017/decorative" val="1"/>
+              </a:ext>
+            </a:extLst>
+          </p:cNvPr>
+          <p:cNvSpPr>
+            <a:spLocks noGrp="1" noRot="1" noChangeAspect="1" noMove="1" noResize="1" noEditPoints="1" noAdjustHandles="1" noChangeArrowheads="1" noChangeShapeType="1" noTextEdit="1"/>
+          </p:cNvSpPr>
+          <p:nvPr>
+            <p:extLst>
+              <p:ext uri="{386F3935-93C4-4BCD-93E2-E3B085C9AB24}">
+                <p16:designElem xmlns:p16="http://schemas.microsoft.com/office/powerpoint/2015/main" val="1"/>
+              </p:ext>
+            </p:extLst>
+          </p:nvPr>
+        </p:nvSpPr>
+        <p:spPr>
+          <a:xfrm>
+            <a:off x="641774" y="623275"/>
+            <a:ext cx="10905053" cy="5607882"/>
+          </a:xfrm>
+          <a:prstGeom prst="rect">
+            <a:avLst/>
+          </a:prstGeom>
+          <a:noFill/>
+          <a:ln w="19050">
+            <a:solidFill>
+              <a:schemeClr val="tx1">
+                <a:lumMod val="75000"/>
+                <a:lumOff val="25000"/>
+              </a:schemeClr>
+            </a:solidFill>
+          </a:ln>
+        </p:spPr>
+        <p:style>
+          <a:lnRef idx="2">
+            <a:schemeClr val="accent1">
+              <a:shade val="50000"/>
+            </a:schemeClr>
+          </a:lnRef>
+          <a:fillRef idx="1">
+            <a:schemeClr val="accent1"/>
+          </a:fillRef>
+          <a:effectRef idx="0">
+            <a:schemeClr val="accent1"/>
+          </a:effectRef>
+          <a:fontRef idx="minor">
+            <a:schemeClr val="lt1"/>
+          </a:fontRef>
+        </p:style>
+        <p:txBody>
+          <a:bodyPr rtlCol="0" anchor="ctr"/>
+          <a:lstStyle/>
+          <a:p>
+            <a:pPr marL="0" marR="0" lvl="0" indent="0" algn="ctr" defTabSz="914400" rtl="0" eaLnBrk="1" fontAlgn="auto" latinLnBrk="0" hangingPunct="1">
+              <a:lnSpc>
+                <a:spcPct val="100000"/>
+              </a:lnSpc>
+              <a:spcBef>
+                <a:spcPts val="0"/>
+              </a:spcBef>
+              <a:spcAft>
+                <a:spcPts val="0"/>
+              </a:spcAft>
+              <a:buClrTx/>
+              <a:buSzTx/>
+              <a:buFontTx/>
+              <a:buNone/>
+              <a:tabLst/>
+              <a:defRPr/>
+            </a:pPr>
+            <a:endParaRPr kumimoji="0" lang="en-US" sz="1800" b="0" i="0" u="none" strike="noStrike" kern="1200" cap="none" spc="0" normalizeH="0" baseline="0" noProof="0">
+              <a:ln>
+                <a:noFill/>
+              </a:ln>
+              <a:solidFill>
+                <a:prstClr val="white"/>
+              </a:solidFill>
+              <a:effectLst/>
+              <a:uLnTx/>
+              <a:uFillTx/>
+              <a:latin typeface="Calibri" panose="020F0502020204030204"/>
+              <a:ea typeface="+mn-ea"/>
+              <a:cs typeface="+mn-cs"/>
+            </a:endParaRPr>
+          </a:p>
+        </p:txBody>
+      </p:sp>
+      <p:sp>
+        <p:nvSpPr>
+          <p:cNvPr id="2" name="Title 1">
+            <a:extLst>
+              <a:ext uri="{FF2B5EF4-FFF2-40B4-BE49-F238E27FC236}">
+                <a16:creationId xmlns:a16="http://schemas.microsoft.com/office/drawing/2014/main" id="{A820A7E7-A825-E744-DA23-18C017FECFA7}"/>
+              </a:ext>
+            </a:extLst>
+          </p:cNvPr>
+          <p:cNvSpPr>
+            <a:spLocks noGrp="1"/>
+          </p:cNvSpPr>
+          <p:nvPr>
+            <p:ph type="ctrTitle"/>
+          </p:nvPr>
+        </p:nvSpPr>
+        <p:spPr>
+          <a:xfrm>
+            <a:off x="1101007" y="3147556"/>
+            <a:ext cx="8921672" cy="1171274"/>
+          </a:xfrm>
+        </p:spPr>
+        <p:txBody>
+          <a:bodyPr anchor="b">
+            <a:normAutofit fontScale="90000"/>
+          </a:bodyPr>
+          <a:lstStyle/>
+          <a:p>
+            <a:pPr algn="l"/>
+            <a:r>
+              <a:rPr lang="en-SG" sz="6600" dirty="0">
+                <a:latin typeface="Times New Roman" panose="02020603050405020304" pitchFamily="18" charset="0"/>
+                <a:cs typeface="Times New Roman" panose="02020603050405020304" pitchFamily="18" charset="0"/>
+              </a:rPr>
+              <a:t>Cross</a:t>
+            </a:r>
+            <a:r>
+              <a:rPr lang="en-SG" sz="6800" dirty="0">
+                <a:latin typeface="Times New Roman" panose="02020603050405020304" pitchFamily="18" charset="0"/>
+                <a:cs typeface="Times New Roman" panose="02020603050405020304" pitchFamily="18" charset="0"/>
+              </a:rPr>
+              <a:t> selling </a:t>
+            </a:r>
+            <a:r>
+              <a:rPr lang="en-SG" sz="3700" dirty="0">
+                <a:latin typeface="Times New Roman" panose="02020603050405020304" pitchFamily="18" charset="0"/>
+                <a:cs typeface="Times New Roman" panose="02020603050405020304" pitchFamily="18" charset="0"/>
+              </a:rPr>
+              <a:t>medium value customers</a:t>
+            </a:r>
+          </a:p>
+        </p:txBody>
+      </p:sp>
+      <p:sp>
+        <p:nvSpPr>
+          <p:cNvPr id="3" name="Subtitle 2">
+            <a:extLst>
+              <a:ext uri="{FF2B5EF4-FFF2-40B4-BE49-F238E27FC236}">
+                <a16:creationId xmlns:a16="http://schemas.microsoft.com/office/drawing/2014/main" id="{2601521F-F4FA-AC76-EE83-2136A8AB1DE8}"/>
+              </a:ext>
+            </a:extLst>
+          </p:cNvPr>
+          <p:cNvSpPr>
+            <a:spLocks noGrp="1"/>
+          </p:cNvSpPr>
+          <p:nvPr>
+            <p:ph type="subTitle" idx="1"/>
+          </p:nvPr>
+        </p:nvSpPr>
+        <p:spPr>
+          <a:xfrm>
+            <a:off x="1166191" y="4440767"/>
+            <a:ext cx="8856487" cy="1912327"/>
+          </a:xfrm>
+        </p:spPr>
+        <p:txBody>
+          <a:bodyPr anchor="t">
+            <a:noAutofit/>
+          </a:bodyPr>
+          <a:lstStyle/>
+          <a:p>
+            <a:pPr marL="285750" indent="-285750" algn="l">
+              <a:buFont typeface="Arial" panose="020B0604020202020204" pitchFamily="34" charset="0"/>
+              <a:buChar char="•"/>
+            </a:pPr>
+            <a:r>
+              <a:rPr lang="en-SG" sz="1800" dirty="0"/>
+              <a:t>Ceremonial Uji Matcha Powder &amp; Barista Uji Matcha Powder frequently bought together </a:t>
+            </a:r>
+            <a:r>
+              <a:rPr lang="en-SG" sz="1300" dirty="0"/>
+              <a:t>(</a:t>
+            </a:r>
+            <a:r>
+              <a:rPr lang="en-SG" sz="1300" dirty="0" err="1"/>
+              <a:t>Apriori</a:t>
+            </a:r>
+            <a:r>
+              <a:rPr lang="en-SG" sz="1300" dirty="0"/>
+              <a:t> Algorithm)*</a:t>
+            </a:r>
+          </a:p>
+          <a:p>
+            <a:pPr marL="285750" indent="-285750" algn="l">
+              <a:buFont typeface="Arial" panose="020B0604020202020204" pitchFamily="34" charset="0"/>
+              <a:buChar char="•"/>
+            </a:pPr>
+            <a:r>
+              <a:rPr lang="en-SG" sz="1800" dirty="0"/>
+              <a:t>Bought most number of times by medium value customers segment </a:t>
+            </a:r>
+            <a:r>
+              <a:rPr lang="en-SG" sz="1200" dirty="0"/>
+              <a:t>(RFM Analysis)*</a:t>
+            </a:r>
+          </a:p>
+          <a:p>
+            <a:pPr marL="285750" indent="-285750" algn="l">
+              <a:buFont typeface="Arial" panose="020B0604020202020204" pitchFamily="34" charset="0"/>
+              <a:buChar char="•"/>
+            </a:pPr>
+            <a:r>
+              <a:rPr lang="en-SG" sz="1800" b="1" dirty="0"/>
+              <a:t>Potential uplift is </a:t>
+            </a:r>
+            <a:r>
+              <a:rPr lang="en-SG" sz="2200" b="1" dirty="0">
+                <a:solidFill>
+                  <a:schemeClr val="accent5">
+                    <a:lumMod val="75000"/>
+                  </a:schemeClr>
+                </a:solidFill>
+              </a:rPr>
+              <a:t>18%</a:t>
+            </a:r>
+            <a:r>
+              <a:rPr lang="en-SG" sz="1800" dirty="0"/>
+              <a:t> of gross sales of Barista Uji Matcha Powder</a:t>
+            </a:r>
+          </a:p>
+          <a:p>
+            <a:pPr algn="l"/>
+            <a:r>
+              <a:rPr lang="en-SG" sz="1300" dirty="0"/>
+              <a:t>*(Support &gt; 5%, Lift &gt; 2). Association Rules &amp; Frequent </a:t>
+            </a:r>
+            <a:r>
+              <a:rPr lang="en-SG" sz="1300" dirty="0" err="1"/>
+              <a:t>Itensets</a:t>
+            </a:r>
+            <a:endParaRPr lang="en-SG" sz="1300" dirty="0"/>
+          </a:p>
+          <a:p>
+            <a:pPr algn="l"/>
+            <a:endParaRPr lang="en-SG" sz="1800" dirty="0"/>
+          </a:p>
+        </p:txBody>
+      </p:sp>
+      <p:sp>
+        <p:nvSpPr>
+          <p:cNvPr id="9" name="Rectangle: Rounded Corners 8">
+            <a:extLst>
+              <a:ext uri="{FF2B5EF4-FFF2-40B4-BE49-F238E27FC236}">
+                <a16:creationId xmlns:a16="http://schemas.microsoft.com/office/drawing/2014/main" id="{00ADF711-93A2-1535-D35C-A89CF3C68179}"/>
+              </a:ext>
+            </a:extLst>
+          </p:cNvPr>
+          <p:cNvSpPr/>
+          <p:nvPr/>
+        </p:nvSpPr>
+        <p:spPr>
+          <a:xfrm>
+            <a:off x="9439582" y="2003922"/>
+            <a:ext cx="1166191" cy="645549"/>
+          </a:xfrm>
+          <a:prstGeom prst="roundRect">
+            <a:avLst/>
+          </a:prstGeom>
+          <a:noFill/>
+          <a:ln w="25400">
+            <a:solidFill>
+              <a:schemeClr val="tx1"/>
+            </a:solidFill>
+          </a:ln>
+        </p:spPr>
+        <p:style>
+          <a:lnRef idx="2">
+            <a:schemeClr val="accent1">
+              <a:shade val="50000"/>
+            </a:schemeClr>
+          </a:lnRef>
+          <a:fillRef idx="1">
+            <a:schemeClr val="accent1"/>
+          </a:fillRef>
+          <a:effectRef idx="0">
+            <a:schemeClr val="accent1"/>
+          </a:effectRef>
+          <a:fontRef idx="minor">
+            <a:schemeClr val="lt1"/>
+          </a:fontRef>
+        </p:style>
+        <p:txBody>
+          <a:bodyPr rtlCol="0" anchor="ctr"/>
+          <a:lstStyle/>
+          <a:p>
             <a:pPr algn="ctr"/>
             <a:endParaRPr lang="en-SG"/>
           </a:p>
@@ -4687,6 +5363,36 @@
           </a:p>
         </p:txBody>
       </p:sp>
+      <p:pic>
+        <p:nvPicPr>
+          <p:cNvPr id="4" name="Picture 3">
+            <a:extLst>
+              <a:ext uri="{FF2B5EF4-FFF2-40B4-BE49-F238E27FC236}">
+                <a16:creationId xmlns:a16="http://schemas.microsoft.com/office/drawing/2014/main" id="{A753633C-9DB8-F092-CE9C-A14D92FCF327}"/>
+              </a:ext>
+            </a:extLst>
+          </p:cNvPr>
+          <p:cNvPicPr>
+            <a:picLocks noChangeAspect="1"/>
+          </p:cNvPicPr>
+          <p:nvPr/>
+        </p:nvPicPr>
+        <p:blipFill>
+          <a:blip r:embed="rId2"/>
+          <a:stretch>
+            <a:fillRect/>
+          </a:stretch>
+        </p:blipFill>
+        <p:spPr>
+          <a:xfrm>
+            <a:off x="1166191" y="993822"/>
+            <a:ext cx="9344623" cy="1520718"/>
+          </a:xfrm>
+          <a:prstGeom prst="rect">
+            <a:avLst/>
+          </a:prstGeom>
+        </p:spPr>
+      </p:pic>
     </p:spTree>
     <p:extLst>
       <p:ext uri="{BB962C8B-B14F-4D97-AF65-F5344CB8AC3E}">
